--- a/verseny/Presentation1.pptx
+++ b/verseny/Presentation1.pptx
@@ -6,8 +6,10 @@
   </p:sldMasterIdLst>
   <p:sldIdLst>
     <p:sldId id="256" r:id="rId2"/>
-    <p:sldId id="258" r:id="rId3"/>
-    <p:sldId id="257" r:id="rId4"/>
+    <p:sldId id="259" r:id="rId3"/>
+    <p:sldId id="258" r:id="rId4"/>
+    <p:sldId id="257" r:id="rId5"/>
+    <p:sldId id="260" r:id="rId6"/>
   </p:sldIdLst>
   <p:sldSz cx="9144000" cy="6858000" type="screen4x3"/>
   <p:notesSz cx="6858000" cy="9144000"/>
@@ -106,6 +108,11 @@
       </a:defRPr>
     </a:lvl9pPr>
   </p:defaultTextStyle>
+  <p:extLst>
+    <p:ext uri="{EFAFB233-063F-42B5-8137-9DF3F51BA10A}">
+      <p15:sldGuideLst xmlns:p15="http://schemas.microsoft.com/office/powerpoint/2012/main"/>
+    </p:ext>
+  </p:extLst>
 </p:presentation>
 </file>
 
@@ -240,7 +247,7 @@
           <a:p>
             <a:fld id="{CF4AEE25-6728-477F-ABF5-0C25D11A3915}" type="datetimeFigureOut">
               <a:rPr lang="en-GB" smtClean="0"/>
-              <a:t>10/01/2018</a:t>
+              <a:t>15/01/2018</a:t>
             </a:fld>
             <a:endParaRPr lang="en-GB"/>
           </a:p>
@@ -410,7 +417,7 @@
           <a:p>
             <a:fld id="{CF4AEE25-6728-477F-ABF5-0C25D11A3915}" type="datetimeFigureOut">
               <a:rPr lang="en-GB" smtClean="0"/>
-              <a:t>10/01/2018</a:t>
+              <a:t>15/01/2018</a:t>
             </a:fld>
             <a:endParaRPr lang="en-GB"/>
           </a:p>
@@ -590,7 +597,7 @@
           <a:p>
             <a:fld id="{CF4AEE25-6728-477F-ABF5-0C25D11A3915}" type="datetimeFigureOut">
               <a:rPr lang="en-GB" smtClean="0"/>
-              <a:t>10/01/2018</a:t>
+              <a:t>15/01/2018</a:t>
             </a:fld>
             <a:endParaRPr lang="en-GB"/>
           </a:p>
@@ -760,7 +767,7 @@
           <a:p>
             <a:fld id="{CF4AEE25-6728-477F-ABF5-0C25D11A3915}" type="datetimeFigureOut">
               <a:rPr lang="en-GB" smtClean="0"/>
-              <a:t>10/01/2018</a:t>
+              <a:t>15/01/2018</a:t>
             </a:fld>
             <a:endParaRPr lang="en-GB"/>
           </a:p>
@@ -1004,7 +1011,7 @@
           <a:p>
             <a:fld id="{CF4AEE25-6728-477F-ABF5-0C25D11A3915}" type="datetimeFigureOut">
               <a:rPr lang="en-GB" smtClean="0"/>
-              <a:t>10/01/2018</a:t>
+              <a:t>15/01/2018</a:t>
             </a:fld>
             <a:endParaRPr lang="en-GB"/>
           </a:p>
@@ -1236,7 +1243,7 @@
           <a:p>
             <a:fld id="{CF4AEE25-6728-477F-ABF5-0C25D11A3915}" type="datetimeFigureOut">
               <a:rPr lang="en-GB" smtClean="0"/>
-              <a:t>10/01/2018</a:t>
+              <a:t>15/01/2018</a:t>
             </a:fld>
             <a:endParaRPr lang="en-GB"/>
           </a:p>
@@ -1603,7 +1610,7 @@
           <a:p>
             <a:fld id="{CF4AEE25-6728-477F-ABF5-0C25D11A3915}" type="datetimeFigureOut">
               <a:rPr lang="en-GB" smtClean="0"/>
-              <a:t>10/01/2018</a:t>
+              <a:t>15/01/2018</a:t>
             </a:fld>
             <a:endParaRPr lang="en-GB"/>
           </a:p>
@@ -1721,7 +1728,7 @@
           <a:p>
             <a:fld id="{CF4AEE25-6728-477F-ABF5-0C25D11A3915}" type="datetimeFigureOut">
               <a:rPr lang="en-GB" smtClean="0"/>
-              <a:t>10/01/2018</a:t>
+              <a:t>15/01/2018</a:t>
             </a:fld>
             <a:endParaRPr lang="en-GB"/>
           </a:p>
@@ -1816,7 +1823,7 @@
           <a:p>
             <a:fld id="{CF4AEE25-6728-477F-ABF5-0C25D11A3915}" type="datetimeFigureOut">
               <a:rPr lang="en-GB" smtClean="0"/>
-              <a:t>10/01/2018</a:t>
+              <a:t>15/01/2018</a:t>
             </a:fld>
             <a:endParaRPr lang="en-GB"/>
           </a:p>
@@ -2093,7 +2100,7 @@
           <a:p>
             <a:fld id="{CF4AEE25-6728-477F-ABF5-0C25D11A3915}" type="datetimeFigureOut">
               <a:rPr lang="en-GB" smtClean="0"/>
-              <a:t>10/01/2018</a:t>
+              <a:t>15/01/2018</a:t>
             </a:fld>
             <a:endParaRPr lang="en-GB"/>
           </a:p>
@@ -2350,7 +2357,7 @@
           <a:p>
             <a:fld id="{CF4AEE25-6728-477F-ABF5-0C25D11A3915}" type="datetimeFigureOut">
               <a:rPr lang="en-GB" smtClean="0"/>
-              <a:t>10/01/2018</a:t>
+              <a:t>15/01/2018</a:t>
             </a:fld>
             <a:endParaRPr lang="en-GB"/>
           </a:p>
@@ -2563,7 +2570,7 @@
           <a:p>
             <a:fld id="{CF4AEE25-6728-477F-ABF5-0C25D11A3915}" type="datetimeFigureOut">
               <a:rPr lang="en-GB" smtClean="0"/>
-              <a:t>10/01/2018</a:t>
+              <a:t>15/01/2018</a:t>
             </a:fld>
             <a:endParaRPr lang="en-GB"/>
           </a:p>
@@ -3518,6 +3525,556 @@
         </p:blipFill>
         <p:spPr>
           <a:xfrm>
+            <a:off x="685800" y="556015"/>
+            <a:ext cx="1381125" cy="1381125"/>
+          </a:xfrm>
+          <a:prstGeom prst="rect">
+            <a:avLst/>
+          </a:prstGeom>
+        </p:spPr>
+      </p:pic>
+      <p:sp>
+        <p:nvSpPr>
+          <p:cNvPr id="6" name="TextBox 5"/>
+          <p:cNvSpPr txBox="1"/>
+          <p:nvPr/>
+        </p:nvSpPr>
+        <p:spPr>
+          <a:xfrm>
+            <a:off x="2259784" y="461747"/>
+            <a:ext cx="3621504" cy="1569660"/>
+          </a:xfrm>
+          <a:prstGeom prst="rect">
+            <a:avLst/>
+          </a:prstGeom>
+          <a:noFill/>
+        </p:spPr>
+        <p:txBody>
+          <a:bodyPr wrap="none" rtlCol="0">
+            <a:spAutoFit/>
+          </a:bodyPr>
+          <a:lstStyle/>
+          <a:p>
+            <a:r>
+              <a:rPr lang="hu-HU" sz="3200" dirty="0" smtClean="0">
+                <a:solidFill>
+                  <a:schemeClr val="bg2">
+                    <a:lumMod val="25000"/>
+                  </a:schemeClr>
+                </a:solidFill>
+                <a:latin typeface="Righteous" panose="02010506000000020000" pitchFamily="2" charset="0"/>
+              </a:rPr>
+              <a:t>I. SZÉKELYDATA </a:t>
+            </a:r>
+            <a:br>
+              <a:rPr lang="hu-HU" sz="3200" dirty="0" smtClean="0">
+                <a:solidFill>
+                  <a:schemeClr val="bg2">
+                    <a:lumMod val="25000"/>
+                  </a:schemeClr>
+                </a:solidFill>
+                <a:latin typeface="Righteous" panose="02010506000000020000" pitchFamily="2" charset="0"/>
+              </a:rPr>
+            </a:br>
+            <a:r>
+              <a:rPr lang="hu-HU" sz="3200" dirty="0" smtClean="0">
+                <a:solidFill>
+                  <a:schemeClr val="bg2">
+                    <a:lumMod val="25000"/>
+                  </a:schemeClr>
+                </a:solidFill>
+                <a:latin typeface="Righteous" panose="02010506000000020000" pitchFamily="2" charset="0"/>
+              </a:rPr>
+              <a:t>adatvizualizációs </a:t>
+            </a:r>
+            <a:br>
+              <a:rPr lang="hu-HU" sz="3200" dirty="0" smtClean="0">
+                <a:solidFill>
+                  <a:schemeClr val="bg2">
+                    <a:lumMod val="25000"/>
+                  </a:schemeClr>
+                </a:solidFill>
+                <a:latin typeface="Righteous" panose="02010506000000020000" pitchFamily="2" charset="0"/>
+              </a:rPr>
+            </a:br>
+            <a:r>
+              <a:rPr lang="hu-HU" sz="3200" dirty="0" smtClean="0">
+                <a:solidFill>
+                  <a:schemeClr val="bg2">
+                    <a:lumMod val="25000"/>
+                  </a:schemeClr>
+                </a:solidFill>
+                <a:latin typeface="Righteous" panose="02010506000000020000" pitchFamily="2" charset="0"/>
+              </a:rPr>
+              <a:t>pályázat</a:t>
+            </a:r>
+            <a:endParaRPr lang="en-GB" sz="3200" dirty="0">
+              <a:solidFill>
+                <a:schemeClr val="bg2">
+                  <a:lumMod val="25000"/>
+                </a:schemeClr>
+              </a:solidFill>
+              <a:latin typeface="Righteous" panose="02010506000000020000" pitchFamily="2" charset="0"/>
+            </a:endParaRPr>
+          </a:p>
+        </p:txBody>
+      </p:sp>
+      <p:sp>
+        <p:nvSpPr>
+          <p:cNvPr id="8" name="TextBox 7"/>
+          <p:cNvSpPr txBox="1"/>
+          <p:nvPr/>
+        </p:nvSpPr>
+        <p:spPr>
+          <a:xfrm>
+            <a:off x="427999" y="2809935"/>
+            <a:ext cx="6094681" cy="2308324"/>
+          </a:xfrm>
+          <a:prstGeom prst="rect">
+            <a:avLst/>
+          </a:prstGeom>
+          <a:noFill/>
+        </p:spPr>
+        <p:txBody>
+          <a:bodyPr wrap="none" rtlCol="0">
+            <a:spAutoFit/>
+          </a:bodyPr>
+          <a:lstStyle/>
+          <a:p>
+            <a:pPr algn="r"/>
+            <a:r>
+              <a:rPr lang="en-GB" sz="3600" dirty="0" err="1">
+                <a:solidFill>
+                  <a:schemeClr val="bg2">
+                    <a:lumMod val="25000"/>
+                  </a:schemeClr>
+                </a:solidFill>
+                <a:latin typeface="Righteous" panose="02010506000000020000" pitchFamily="2" charset="0"/>
+              </a:rPr>
+              <a:t>Fődíj</a:t>
+            </a:r>
+            <a:r>
+              <a:rPr lang="en-GB" sz="3600" dirty="0">
+                <a:solidFill>
+                  <a:schemeClr val="bg2">
+                    <a:lumMod val="25000"/>
+                  </a:schemeClr>
+                </a:solidFill>
+                <a:latin typeface="Righteous" panose="02010506000000020000" pitchFamily="2" charset="0"/>
+              </a:rPr>
+              <a:t>: </a:t>
+            </a:r>
+            <a:r>
+              <a:rPr lang="hu-HU" sz="3600" dirty="0" smtClean="0">
+                <a:solidFill>
+                  <a:schemeClr val="bg2">
+                    <a:lumMod val="25000"/>
+                  </a:schemeClr>
+                </a:solidFill>
+                <a:latin typeface="Righteous" panose="02010506000000020000" pitchFamily="2" charset="0"/>
+              </a:rPr>
+              <a:t>2</a:t>
+            </a:r>
+            <a:r>
+              <a:rPr lang="en-GB" sz="3600" dirty="0" smtClean="0">
+                <a:solidFill>
+                  <a:schemeClr val="bg2">
+                    <a:lumMod val="25000"/>
+                  </a:schemeClr>
+                </a:solidFill>
+                <a:latin typeface="Righteous" panose="02010506000000020000" pitchFamily="2" charset="0"/>
+              </a:rPr>
+              <a:t>000 </a:t>
+            </a:r>
+            <a:r>
+              <a:rPr lang="en-GB" sz="3600" dirty="0" smtClean="0">
+                <a:solidFill>
+                  <a:schemeClr val="bg2">
+                    <a:lumMod val="25000"/>
+                  </a:schemeClr>
+                </a:solidFill>
+                <a:latin typeface="Righteous" panose="02010506000000020000" pitchFamily="2" charset="0"/>
+              </a:rPr>
+              <a:t>RON</a:t>
+            </a:r>
+          </a:p>
+          <a:p>
+            <a:pPr algn="r"/>
+            <a:r>
+              <a:rPr lang="en-GB" sz="2700" dirty="0" err="1" smtClean="0">
+                <a:solidFill>
+                  <a:schemeClr val="bg2">
+                    <a:lumMod val="25000"/>
+                  </a:schemeClr>
+                </a:solidFill>
+                <a:latin typeface="Righteous" panose="02010506000000020000" pitchFamily="2" charset="0"/>
+              </a:rPr>
+              <a:t>Legjobb</a:t>
+            </a:r>
+            <a:r>
+              <a:rPr lang="en-GB" sz="2700" dirty="0" smtClean="0">
+                <a:solidFill>
+                  <a:schemeClr val="bg2">
+                    <a:lumMod val="25000"/>
+                  </a:schemeClr>
+                </a:solidFill>
+                <a:latin typeface="Righteous" panose="02010506000000020000" pitchFamily="2" charset="0"/>
+              </a:rPr>
+              <a:t> </a:t>
+            </a:r>
+            <a:r>
+              <a:rPr lang="en-GB" sz="2700" dirty="0" err="1">
+                <a:solidFill>
+                  <a:schemeClr val="bg2">
+                    <a:lumMod val="25000"/>
+                  </a:schemeClr>
+                </a:solidFill>
+                <a:latin typeface="Righteous" panose="02010506000000020000" pitchFamily="2" charset="0"/>
+              </a:rPr>
+              <a:t>adatelemzés</a:t>
+            </a:r>
+            <a:r>
+              <a:rPr lang="en-GB" sz="2700" dirty="0">
+                <a:solidFill>
+                  <a:schemeClr val="bg2">
+                    <a:lumMod val="25000"/>
+                  </a:schemeClr>
+                </a:solidFill>
+                <a:latin typeface="Righteous" panose="02010506000000020000" pitchFamily="2" charset="0"/>
+              </a:rPr>
+              <a:t>: 500 </a:t>
+            </a:r>
+            <a:r>
+              <a:rPr lang="en-GB" sz="2700" dirty="0" smtClean="0">
+                <a:solidFill>
+                  <a:schemeClr val="bg2">
+                    <a:lumMod val="25000"/>
+                  </a:schemeClr>
+                </a:solidFill>
+                <a:latin typeface="Righteous" panose="02010506000000020000" pitchFamily="2" charset="0"/>
+              </a:rPr>
+              <a:t>RON</a:t>
+            </a:r>
+          </a:p>
+          <a:p>
+            <a:pPr algn="r"/>
+            <a:r>
+              <a:rPr lang="en-GB" sz="2700" dirty="0" err="1" smtClean="0">
+                <a:solidFill>
+                  <a:schemeClr val="bg2">
+                    <a:lumMod val="25000"/>
+                  </a:schemeClr>
+                </a:solidFill>
+                <a:latin typeface="Righteous" panose="02010506000000020000" pitchFamily="2" charset="0"/>
+              </a:rPr>
+              <a:t>Legszebb</a:t>
+            </a:r>
+            <a:r>
+              <a:rPr lang="en-GB" sz="2700" dirty="0" smtClean="0">
+                <a:solidFill>
+                  <a:schemeClr val="bg2">
+                    <a:lumMod val="25000"/>
+                  </a:schemeClr>
+                </a:solidFill>
+                <a:latin typeface="Righteous" panose="02010506000000020000" pitchFamily="2" charset="0"/>
+              </a:rPr>
+              <a:t> </a:t>
+            </a:r>
+            <a:r>
+              <a:rPr lang="en-GB" sz="2700" dirty="0" err="1">
+                <a:solidFill>
+                  <a:schemeClr val="bg2">
+                    <a:lumMod val="25000"/>
+                  </a:schemeClr>
+                </a:solidFill>
+                <a:latin typeface="Righteous" panose="02010506000000020000" pitchFamily="2" charset="0"/>
+              </a:rPr>
+              <a:t>adatvizualizáció</a:t>
+            </a:r>
+            <a:r>
+              <a:rPr lang="en-GB" sz="2700" dirty="0">
+                <a:solidFill>
+                  <a:schemeClr val="bg2">
+                    <a:lumMod val="25000"/>
+                  </a:schemeClr>
+                </a:solidFill>
+                <a:latin typeface="Righteous" panose="02010506000000020000" pitchFamily="2" charset="0"/>
+              </a:rPr>
+              <a:t>: 500 </a:t>
+            </a:r>
+            <a:r>
+              <a:rPr lang="en-GB" sz="2700" dirty="0" smtClean="0">
+                <a:solidFill>
+                  <a:schemeClr val="bg2">
+                    <a:lumMod val="25000"/>
+                  </a:schemeClr>
+                </a:solidFill>
+                <a:latin typeface="Righteous" panose="02010506000000020000" pitchFamily="2" charset="0"/>
+              </a:rPr>
+              <a:t>RON</a:t>
+            </a:r>
+            <a:endParaRPr lang="hu-HU" sz="2700" dirty="0" smtClean="0">
+              <a:solidFill>
+                <a:schemeClr val="bg2">
+                  <a:lumMod val="25000"/>
+                </a:schemeClr>
+              </a:solidFill>
+              <a:latin typeface="Righteous" panose="02010506000000020000" pitchFamily="2" charset="0"/>
+            </a:endParaRPr>
+          </a:p>
+          <a:p>
+            <a:pPr algn="r"/>
+            <a:endParaRPr lang="hu-HU" sz="2700" dirty="0">
+              <a:solidFill>
+                <a:schemeClr val="bg2">
+                  <a:lumMod val="25000"/>
+                </a:schemeClr>
+              </a:solidFill>
+              <a:latin typeface="Righteous" panose="02010506000000020000" pitchFamily="2" charset="0"/>
+            </a:endParaRPr>
+          </a:p>
+          <a:p>
+            <a:pPr algn="r"/>
+            <a:r>
+              <a:rPr lang="hu-HU" sz="2700" dirty="0" smtClean="0">
+                <a:solidFill>
+                  <a:schemeClr val="bg2">
+                    <a:lumMod val="25000"/>
+                  </a:schemeClr>
+                </a:solidFill>
+                <a:latin typeface="Righteous" panose="02010506000000020000" pitchFamily="2" charset="0"/>
+              </a:rPr>
+              <a:t>Szabad kategória</a:t>
+            </a:r>
+            <a:r>
+              <a:rPr lang="en-GB" sz="2700" dirty="0" smtClean="0">
+                <a:solidFill>
+                  <a:schemeClr val="bg2">
+                    <a:lumMod val="25000"/>
+                  </a:schemeClr>
+                </a:solidFill>
+                <a:latin typeface="Righteous" panose="02010506000000020000" pitchFamily="2" charset="0"/>
+              </a:rPr>
+              <a:t>: </a:t>
+            </a:r>
+            <a:r>
+              <a:rPr lang="hu-HU" sz="2700" dirty="0" smtClean="0">
+                <a:solidFill>
+                  <a:schemeClr val="bg2">
+                    <a:lumMod val="25000"/>
+                  </a:schemeClr>
+                </a:solidFill>
+                <a:latin typeface="Righteous" panose="02010506000000020000" pitchFamily="2" charset="0"/>
+              </a:rPr>
+              <a:t>1</a:t>
+            </a:r>
+            <a:r>
+              <a:rPr lang="en-GB" sz="2700" dirty="0">
+                <a:solidFill>
+                  <a:schemeClr val="bg2">
+                    <a:lumMod val="25000"/>
+                  </a:schemeClr>
+                </a:solidFill>
+                <a:latin typeface="Righteous" panose="02010506000000020000" pitchFamily="2" charset="0"/>
+              </a:rPr>
+              <a:t>0</a:t>
+            </a:r>
+            <a:r>
+              <a:rPr lang="en-GB" sz="2700" dirty="0" smtClean="0">
+                <a:solidFill>
+                  <a:schemeClr val="bg2">
+                    <a:lumMod val="25000"/>
+                  </a:schemeClr>
+                </a:solidFill>
+                <a:latin typeface="Righteous" panose="02010506000000020000" pitchFamily="2" charset="0"/>
+              </a:rPr>
+              <a:t>00 RON</a:t>
+            </a:r>
+            <a:endParaRPr lang="en-GB" sz="2700" dirty="0">
+              <a:solidFill>
+                <a:schemeClr val="bg2">
+                  <a:lumMod val="25000"/>
+                </a:schemeClr>
+              </a:solidFill>
+              <a:latin typeface="Righteous" panose="02010506000000020000" pitchFamily="2" charset="0"/>
+            </a:endParaRPr>
+          </a:p>
+        </p:txBody>
+      </p:sp>
+      <p:sp>
+        <p:nvSpPr>
+          <p:cNvPr id="9" name="TextBox 8"/>
+          <p:cNvSpPr txBox="1"/>
+          <p:nvPr/>
+        </p:nvSpPr>
+        <p:spPr>
+          <a:xfrm>
+            <a:off x="437297" y="5374239"/>
+            <a:ext cx="6076151" cy="461665"/>
+          </a:xfrm>
+          <a:prstGeom prst="rect">
+            <a:avLst/>
+          </a:prstGeom>
+          <a:noFill/>
+        </p:spPr>
+        <p:txBody>
+          <a:bodyPr wrap="none" rtlCol="0">
+            <a:spAutoFit/>
+          </a:bodyPr>
+          <a:lstStyle/>
+          <a:p>
+            <a:pPr algn="r"/>
+            <a:r>
+              <a:rPr lang="en-GB" sz="2400" dirty="0" smtClean="0">
+                <a:solidFill>
+                  <a:schemeClr val="bg2">
+                    <a:lumMod val="25000"/>
+                  </a:schemeClr>
+                </a:solidFill>
+                <a:latin typeface="Righteous" panose="02010506000000020000" pitchFamily="2" charset="0"/>
+              </a:rPr>
+              <a:t>https://szekelydata.csaladen.es/verseny</a:t>
+            </a:r>
+            <a:endParaRPr lang="en-GB" dirty="0">
+              <a:solidFill>
+                <a:schemeClr val="bg2">
+                  <a:lumMod val="25000"/>
+                </a:schemeClr>
+              </a:solidFill>
+              <a:latin typeface="Righteous" panose="02010506000000020000" pitchFamily="2" charset="0"/>
+            </a:endParaRPr>
+          </a:p>
+        </p:txBody>
+      </p:sp>
+    </p:spTree>
+    <p:extLst>
+      <p:ext uri="{BB962C8B-B14F-4D97-AF65-F5344CB8AC3E}">
+        <p14:creationId xmlns:p14="http://schemas.microsoft.com/office/powerpoint/2010/main" val="881954398"/>
+      </p:ext>
+    </p:extLst>
+  </p:cSld>
+  <p:clrMapOvr>
+    <a:masterClrMapping/>
+  </p:clrMapOvr>
+</p:sld>
+</file>
+
+<file path=ppt/slides/slide3.xml><?xml version="1.0" encoding="utf-8"?>
+<p:sld xmlns:a="http://schemas.openxmlformats.org/drawingml/2006/main" xmlns:r="http://schemas.openxmlformats.org/officeDocument/2006/relationships" xmlns:p="http://schemas.openxmlformats.org/presentationml/2006/main">
+  <p:cSld>
+    <p:spTree>
+      <p:nvGrpSpPr>
+        <p:cNvPr id="1" name=""/>
+        <p:cNvGrpSpPr/>
+        <p:nvPr/>
+      </p:nvGrpSpPr>
+      <p:grpSpPr>
+        <a:xfrm>
+          <a:off x="0" y="0"/>
+          <a:ext cx="0" cy="0"/>
+          <a:chOff x="0" y="0"/>
+          <a:chExt cx="0" cy="0"/>
+        </a:xfrm>
+      </p:grpSpPr>
+      <p:pic>
+        <p:nvPicPr>
+          <p:cNvPr id="4" name="Picture 3"/>
+          <p:cNvPicPr>
+            <a:picLocks noChangeAspect="1"/>
+          </p:cNvPicPr>
+          <p:nvPr/>
+        </p:nvPicPr>
+        <p:blipFill rotWithShape="1">
+          <a:blip r:embed="rId2">
+            <a:extLst>
+              <a:ext uri="{28A0092B-C50C-407E-A947-70E740481C1C}">
+                <a14:useLocalDpi xmlns:a14="http://schemas.microsoft.com/office/drawing/2010/main" val="0"/>
+              </a:ext>
+            </a:extLst>
+          </a:blip>
+          <a:srcRect l="11351" r="34459" b="12115"/>
+          <a:stretch/>
+        </p:blipFill>
+        <p:spPr>
+          <a:xfrm>
+            <a:off x="364891" y="287575"/>
+            <a:ext cx="6301214" cy="5668382"/>
+          </a:xfrm>
+          <a:prstGeom prst="rect">
+            <a:avLst/>
+          </a:prstGeom>
+        </p:spPr>
+      </p:pic>
+      <p:sp>
+        <p:nvSpPr>
+          <p:cNvPr id="7" name="Rectangle 6"/>
+          <p:cNvSpPr/>
+          <p:nvPr/>
+        </p:nvSpPr>
+        <p:spPr>
+          <a:xfrm>
+            <a:off x="364891" y="287575"/>
+            <a:ext cx="6301214" cy="5682757"/>
+          </a:xfrm>
+          <a:prstGeom prst="rect">
+            <a:avLst/>
+          </a:prstGeom>
+          <a:solidFill>
+            <a:srgbClr val="FFFFFF">
+              <a:alpha val="60000"/>
+            </a:srgbClr>
+          </a:solidFill>
+          <a:ln>
+            <a:noFill/>
+          </a:ln>
+        </p:spPr>
+        <p:style>
+          <a:lnRef idx="2">
+            <a:schemeClr val="accent1">
+              <a:shade val="50000"/>
+            </a:schemeClr>
+          </a:lnRef>
+          <a:fillRef idx="1">
+            <a:schemeClr val="accent1"/>
+          </a:fillRef>
+          <a:effectRef idx="0">
+            <a:schemeClr val="accent1"/>
+          </a:effectRef>
+          <a:fontRef idx="minor">
+            <a:schemeClr val="lt1"/>
+          </a:fontRef>
+        </p:style>
+        <p:txBody>
+          <a:bodyPr rtlCol="0" anchor="ctr"/>
+          <a:lstStyle/>
+          <a:p>
+            <a:pPr algn="ctr"/>
+            <a:endParaRPr lang="en-GB"/>
+          </a:p>
+        </p:txBody>
+      </p:sp>
+      <p:pic>
+        <p:nvPicPr>
+          <p:cNvPr id="5" name="Picture 4"/>
+          <p:cNvPicPr>
+            <a:picLocks noChangeAspect="1"/>
+          </p:cNvPicPr>
+          <p:nvPr/>
+        </p:nvPicPr>
+        <p:blipFill>
+          <a:blip r:embed="rId3">
+            <a:extLst>
+              <a:ext uri="{28A0092B-C50C-407E-A947-70E740481C1C}">
+                <a14:useLocalDpi xmlns:a14="http://schemas.microsoft.com/office/drawing/2010/main" val="0"/>
+              </a:ext>
+            </a:extLst>
+          </a:blip>
+          <a:stretch>
+            <a:fillRect/>
+          </a:stretch>
+        </p:blipFill>
+        <p:spPr>
+          <a:xfrm>
             <a:off x="1081216" y="926718"/>
             <a:ext cx="1381125" cy="1381125"/>
           </a:xfrm>
@@ -3853,7 +4410,7 @@
 </p:sld>
 </file>
 
-<file path=ppt/slides/slide3.xml><?xml version="1.0" encoding="utf-8"?>
+<file path=ppt/slides/slide4.xml><?xml version="1.0" encoding="utf-8"?>
 <p:sld xmlns:a="http://schemas.openxmlformats.org/drawingml/2006/main" xmlns:r="http://schemas.openxmlformats.org/officeDocument/2006/relationships" xmlns:p="http://schemas.openxmlformats.org/presentationml/2006/main">
   <p:cSld>
     <p:spTree>
@@ -3910,6 +4467,71 @@
     <p:extLst>
       <p:ext uri="{BB962C8B-B14F-4D97-AF65-F5344CB8AC3E}">
         <p14:creationId xmlns:p14="http://schemas.microsoft.com/office/powerpoint/2010/main" val="768468839"/>
+      </p:ext>
+    </p:extLst>
+  </p:cSld>
+  <p:clrMapOvr>
+    <a:masterClrMapping/>
+  </p:clrMapOvr>
+</p:sld>
+</file>
+
+<file path=ppt/slides/slide5.xml><?xml version="1.0" encoding="utf-8"?>
+<p:sld xmlns:a="http://schemas.openxmlformats.org/drawingml/2006/main" xmlns:r="http://schemas.openxmlformats.org/officeDocument/2006/relationships" xmlns:p="http://schemas.openxmlformats.org/presentationml/2006/main">
+  <p:cSld>
+    <p:spTree>
+      <p:nvGrpSpPr>
+        <p:cNvPr id="1" name=""/>
+        <p:cNvGrpSpPr/>
+        <p:nvPr/>
+      </p:nvGrpSpPr>
+      <p:grpSpPr>
+        <a:xfrm>
+          <a:off x="0" y="0"/>
+          <a:ext cx="0" cy="0"/>
+          <a:chOff x="0" y="0"/>
+          <a:chExt cx="0" cy="0"/>
+        </a:xfrm>
+      </p:grpSpPr>
+      <p:pic>
+        <p:nvPicPr>
+          <p:cNvPr id="2" name="Picture 1"/>
+          <p:cNvPicPr>
+            <a:picLocks noChangeAspect="1"/>
+          </p:cNvPicPr>
+          <p:nvPr/>
+        </p:nvPicPr>
+        <p:blipFill rotWithShape="1">
+          <a:blip r:embed="rId2"/>
+          <a:srcRect r="1519"/>
+          <a:stretch/>
+        </p:blipFill>
+        <p:spPr>
+          <a:xfrm>
+            <a:off x="1398757" y="581921"/>
+            <a:ext cx="6250075" cy="5694158"/>
+          </a:xfrm>
+          <a:prstGeom prst="rect">
+            <a:avLst/>
+          </a:prstGeom>
+          <a:ln w="88900" cap="sq" cmpd="thickThin">
+            <a:solidFill>
+              <a:srgbClr val="000000"/>
+            </a:solidFill>
+            <a:prstDash val="solid"/>
+            <a:miter lim="800000"/>
+          </a:ln>
+          <a:effectLst>
+            <a:innerShdw blurRad="76200">
+              <a:srgbClr val="000000"/>
+            </a:innerShdw>
+          </a:effectLst>
+        </p:spPr>
+      </p:pic>
+    </p:spTree>
+    <p:extLst>
+      <p:ext uri="{BB962C8B-B14F-4D97-AF65-F5344CB8AC3E}">
+        <p14:creationId xmlns:p14="http://schemas.microsoft.com/office/powerpoint/2010/main" val="1978338084"/>
       </p:ext>
     </p:extLst>
   </p:cSld>
